--- a/Проектная работа TextAssistant.pptx
+++ b/Проектная работа TextAssistant.pptx
@@ -109,6 +109,22 @@
       </a:defRPr>
     </a:lvl9pPr>
   </p:defaultTextStyle>
+  <p:extLst>
+    <p:ext uri="{EFAFB233-063F-42B5-8137-9DF3F51BA10A}">
+      <p15:sldGuideLst xmlns:p15="http://schemas.microsoft.com/office/powerpoint/2012/main">
+        <p15:guide id="1" orient="horz" pos="2160">
+          <p15:clr>
+            <a:srgbClr val="A4A3A4"/>
+          </p15:clr>
+        </p15:guide>
+        <p15:guide id="2" pos="2880">
+          <p15:clr>
+            <a:srgbClr val="A4A3A4"/>
+          </p15:clr>
+        </p15:guide>
+      </p15:sldGuideLst>
+    </p:ext>
+  </p:extLst>
 </p:presentation>
 </file>
 
@@ -739,7 +755,7 @@
           <a:p>
             <a:fld id="{052E3E7A-4D85-4455-A352-75247E2D38F5}" type="datetimeFigureOut">
               <a:rPr lang="ru-RU" smtClean="0"/>
-              <a:t>21.04.2021</a:t>
+              <a:t>22.04.2021</a:t>
             </a:fld>
             <a:endParaRPr lang="ru-RU"/>
           </a:p>
@@ -918,7 +934,7 @@
           <a:p>
             <a:fld id="{052E3E7A-4D85-4455-A352-75247E2D38F5}" type="datetimeFigureOut">
               <a:rPr lang="ru-RU" smtClean="0"/>
-              <a:t>21.04.2021</a:t>
+              <a:t>22.04.2021</a:t>
             </a:fld>
             <a:endParaRPr lang="ru-RU"/>
           </a:p>
@@ -1097,7 +1113,7 @@
           <a:p>
             <a:fld id="{052E3E7A-4D85-4455-A352-75247E2D38F5}" type="datetimeFigureOut">
               <a:rPr lang="ru-RU" smtClean="0"/>
-              <a:t>21.04.2021</a:t>
+              <a:t>22.04.2021</a:t>
             </a:fld>
             <a:endParaRPr lang="ru-RU"/>
           </a:p>
@@ -1262,7 +1278,7 @@
           <a:p>
             <a:fld id="{052E3E7A-4D85-4455-A352-75247E2D38F5}" type="datetimeFigureOut">
               <a:rPr lang="ru-RU" smtClean="0"/>
-              <a:t>21.04.2021</a:t>
+              <a:t>22.04.2021</a:t>
             </a:fld>
             <a:endParaRPr lang="ru-RU"/>
           </a:p>
@@ -1501,7 +1517,7 @@
           <a:p>
             <a:fld id="{052E3E7A-4D85-4455-A352-75247E2D38F5}" type="datetimeFigureOut">
               <a:rPr lang="ru-RU" smtClean="0"/>
-              <a:t>21.04.2021</a:t>
+              <a:t>22.04.2021</a:t>
             </a:fld>
             <a:endParaRPr lang="ru-RU"/>
           </a:p>
@@ -1614,7 +1630,7 @@
           <a:p>
             <a:fld id="{052E3E7A-4D85-4455-A352-75247E2D38F5}" type="datetimeFigureOut">
               <a:rPr lang="ru-RU" smtClean="0"/>
-              <a:t>21.04.2021</a:t>
+              <a:t>22.04.2021</a:t>
             </a:fld>
             <a:endParaRPr lang="ru-RU"/>
           </a:p>
@@ -1987,7 +2003,7 @@
           <a:p>
             <a:fld id="{052E3E7A-4D85-4455-A352-75247E2D38F5}" type="datetimeFigureOut">
               <a:rPr lang="ru-RU" smtClean="0"/>
-              <a:t>21.04.2021</a:t>
+              <a:t>22.04.2021</a:t>
             </a:fld>
             <a:endParaRPr lang="ru-RU"/>
           </a:p>
@@ -2214,7 +2230,7 @@
           <a:p>
             <a:fld id="{052E3E7A-4D85-4455-A352-75247E2D38F5}" type="datetimeFigureOut">
               <a:rPr lang="ru-RU" smtClean="0"/>
-              <a:t>21.04.2021</a:t>
+              <a:t>22.04.2021</a:t>
             </a:fld>
             <a:endParaRPr lang="ru-RU"/>
           </a:p>
@@ -2304,7 +2320,7 @@
           <a:p>
             <a:fld id="{052E3E7A-4D85-4455-A352-75247E2D38F5}" type="datetimeFigureOut">
               <a:rPr lang="ru-RU" smtClean="0"/>
-              <a:t>21.04.2021</a:t>
+              <a:t>22.04.2021</a:t>
             </a:fld>
             <a:endParaRPr lang="ru-RU"/>
           </a:p>
@@ -3131,7 +3147,7 @@
           <a:p>
             <a:fld id="{052E3E7A-4D85-4455-A352-75247E2D38F5}" type="datetimeFigureOut">
               <a:rPr lang="ru-RU" smtClean="0"/>
-              <a:t>21.04.2021</a:t>
+              <a:t>22.04.2021</a:t>
             </a:fld>
             <a:endParaRPr lang="ru-RU"/>
           </a:p>
@@ -3962,7 +3978,7 @@
           <a:p>
             <a:fld id="{052E3E7A-4D85-4455-A352-75247E2D38F5}" type="datetimeFigureOut">
               <a:rPr lang="ru-RU" smtClean="0"/>
-              <a:t>21.04.2021</a:t>
+              <a:t>22.04.2021</a:t>
             </a:fld>
             <a:endParaRPr lang="ru-RU"/>
           </a:p>
@@ -4616,7 +4632,7 @@
           <a:p>
             <a:fld id="{052E3E7A-4D85-4455-A352-75247E2D38F5}" type="datetimeFigureOut">
               <a:rPr lang="ru-RU" smtClean="0"/>
-              <a:t>21.04.2021</a:t>
+              <a:t>22.04.2021</a:t>
             </a:fld>
             <a:endParaRPr lang="ru-RU"/>
           </a:p>

--- a/Проектная работа TextAssistant.pptx
+++ b/Проектная работа TextAssistant.pptx
@@ -7,10 +7,10 @@
   <p:sldIdLst>
     <p:sldId id="256" r:id="rId2"/>
     <p:sldId id="257" r:id="rId3"/>
-    <p:sldId id="258" r:id="rId4"/>
-    <p:sldId id="259" r:id="rId5"/>
-    <p:sldId id="260" r:id="rId6"/>
-    <p:sldId id="261" r:id="rId7"/>
+    <p:sldId id="262" r:id="rId4"/>
+    <p:sldId id="263" r:id="rId5"/>
+    <p:sldId id="259" r:id="rId6"/>
+    <p:sldId id="260" r:id="rId7"/>
   </p:sldIdLst>
   <p:sldSz cx="9144000" cy="6858000" type="screen4x3"/>
   <p:notesSz cx="6858000" cy="9144000"/>
@@ -111,7 +111,7 @@
   </p:defaultTextStyle>
   <p:extLst>
     <p:ext uri="{EFAFB233-063F-42B5-8137-9DF3F51BA10A}">
-      <p15:sldGuideLst xmlns:p15="http://schemas.microsoft.com/office/powerpoint/2012/main">
+      <p15:sldGuideLst xmlns:p15="http://schemas.microsoft.com/office/powerpoint/2012/main" xmlns="">
         <p15:guide id="1" orient="horz" pos="2160">
           <p15:clr>
             <a:srgbClr val="A4A3A4"/>
@@ -5227,29 +5227,74 @@
             </a:r>
           </a:p>
           <a:p>
-            <a:r>
-              <a:rPr lang="ru-RU" dirty="0" smtClean="0"/>
-              <a:t>Цель приложения</a:t>
-            </a:r>
-            <a:r>
-              <a:rPr lang="en-US" dirty="0" smtClean="0"/>
-              <a:t>:</a:t>
-            </a:r>
-            <a:r>
-              <a:rPr lang="ru-RU" dirty="0" smtClean="0"/>
-              <a:t> заключается в сокращение ручной работы человека и времени на использование специализированых приложений  для решения простой задачи, при этом затрачивая минимальное количество ресурсов</a:t>
-            </a:r>
-            <a:r>
-              <a:rPr lang="en-US" dirty="0"/>
-              <a:t>.</a:t>
-            </a:r>
-            <a:endParaRPr lang="ru-RU" dirty="0" smtClean="0"/>
-          </a:p>
-          <a:p>
             <a:endParaRPr lang="ru-RU" dirty="0"/>
           </a:p>
         </p:txBody>
       </p:sp>
+      <p:pic>
+        <p:nvPicPr>
+          <p:cNvPr id="1026" name="Picture 2"/>
+          <p:cNvPicPr>
+            <a:picLocks noChangeAspect="1" noChangeArrowheads="1"/>
+          </p:cNvPicPr>
+          <p:nvPr/>
+        </p:nvPicPr>
+        <p:blipFill>
+          <a:blip r:embed="rId2">
+            <a:extLst>
+              <a:ext uri="{28A0092B-C50C-407E-A947-70E740481C1C}">
+                <a14:useLocalDpi xmlns:a14="http://schemas.microsoft.com/office/drawing/2010/main" val="0"/>
+              </a:ext>
+            </a:extLst>
+          </a:blip>
+          <a:srcRect/>
+          <a:stretch>
+            <a:fillRect/>
+          </a:stretch>
+        </p:blipFill>
+        <p:spPr bwMode="auto">
+          <a:xfrm>
+            <a:off x="2195736" y="3061199"/>
+            <a:ext cx="4320480" cy="3099169"/>
+          </a:xfrm>
+          <a:prstGeom prst="rect">
+            <a:avLst/>
+          </a:prstGeom>
+          <a:noFill/>
+          <a:ln>
+            <a:noFill/>
+          </a:ln>
+          <a:effectLst/>
+          <a:extLst>
+            <a:ext uri="{909E8E84-426E-40DD-AFC4-6F175D3DCCD1}">
+              <a14:hiddenFill xmlns:a14="http://schemas.microsoft.com/office/drawing/2010/main">
+                <a:solidFill>
+                  <a:schemeClr val="accent1"/>
+                </a:solidFill>
+              </a14:hiddenFill>
+            </a:ext>
+            <a:ext uri="{91240B29-F687-4F45-9708-019B960494DF}">
+              <a14:hiddenLine xmlns:a14="http://schemas.microsoft.com/office/drawing/2010/main" w="9525">
+                <a:solidFill>
+                  <a:schemeClr val="tx1"/>
+                </a:solidFill>
+                <a:miter lim="800000"/>
+                <a:headEnd/>
+                <a:tailEnd/>
+              </a14:hiddenLine>
+            </a:ext>
+            <a:ext uri="{AF507438-7753-43E0-B8FC-AC1667EBCBE1}">
+              <a14:hiddenEffects xmlns:a14="http://schemas.microsoft.com/office/drawing/2010/main">
+                <a:effectLst>
+                  <a:outerShdw dist="35921" dir="2700000" algn="ctr" rotWithShape="0">
+                    <a:schemeClr val="bg2"/>
+                  </a:outerShdw>
+                </a:effectLst>
+              </a14:hiddenEffects>
+            </a:ext>
+          </a:extLst>
+        </p:spPr>
+      </p:pic>
     </p:spTree>
     <p:extLst>
       <p:ext uri="{BB962C8B-B14F-4D97-AF65-F5344CB8AC3E}">
@@ -5304,7 +5349,7 @@
           <a:p>
             <a:r>
               <a:rPr lang="ru-RU" dirty="0" smtClean="0"/>
-              <a:t>Функции программы</a:t>
+              <a:t>Преобразователь</a:t>
             </a:r>
             <a:endParaRPr lang="ru-RU" dirty="0"/>
           </a:p>
@@ -5320,42 +5365,106 @@
             <p:ph idx="1"/>
           </p:nvPr>
         </p:nvSpPr>
-        <p:spPr/>
+        <p:spPr>
+          <a:xfrm>
+            <a:off x="971600" y="1844824"/>
+            <a:ext cx="7272808" cy="1669783"/>
+          </a:xfrm>
+        </p:spPr>
         <p:txBody>
           <a:bodyPr/>
           <a:lstStyle/>
           <a:p>
             <a:r>
               <a:rPr lang="ru-RU" dirty="0" smtClean="0"/>
-              <a:t>Преобразователь – универсальная функция реализующая преобразование текста в разные типы файлов, а также распознавание текста с фотографии</a:t>
-            </a:r>
-          </a:p>
-          <a:p>
+              <a:t>Одна из функций программ, реализующая </a:t>
+            </a:r>
+            <a:r>
+              <a:rPr lang="ru-RU" dirty="0"/>
+              <a:t>преобразование текста в разные типы файлов, а также распознавание текста с </a:t>
+            </a:r>
             <a:r>
               <a:rPr lang="ru-RU" dirty="0" smtClean="0"/>
-              <a:t>Переводчик – функция переводящие текст из одного языка в другой </a:t>
+              <a:t>фотографии </a:t>
             </a:r>
             <a:endParaRPr lang="ru-RU" dirty="0"/>
           </a:p>
         </p:txBody>
       </p:sp>
+      <p:pic>
+        <p:nvPicPr>
+          <p:cNvPr id="2051" name="Picture 3"/>
+          <p:cNvPicPr>
+            <a:picLocks noChangeAspect="1" noChangeArrowheads="1"/>
+          </p:cNvPicPr>
+          <p:nvPr/>
+        </p:nvPicPr>
+        <p:blipFill>
+          <a:blip r:embed="rId2">
+            <a:extLst>
+              <a:ext uri="{28A0092B-C50C-407E-A947-70E740481C1C}">
+                <a14:useLocalDpi xmlns:a14="http://schemas.microsoft.com/office/drawing/2010/main" val="0"/>
+              </a:ext>
+            </a:extLst>
+          </a:blip>
+          <a:srcRect/>
+          <a:stretch>
+            <a:fillRect/>
+          </a:stretch>
+        </p:blipFill>
+        <p:spPr bwMode="auto">
+          <a:xfrm>
+            <a:off x="2123728" y="3140968"/>
+            <a:ext cx="5033070" cy="3001148"/>
+          </a:xfrm>
+          <a:prstGeom prst="rect">
+            <a:avLst/>
+          </a:prstGeom>
+          <a:noFill/>
+          <a:ln>
+            <a:noFill/>
+          </a:ln>
+          <a:effectLst/>
+          <a:extLst>
+            <a:ext uri="{909E8E84-426E-40DD-AFC4-6F175D3DCCD1}">
+              <a14:hiddenFill xmlns:a14="http://schemas.microsoft.com/office/drawing/2010/main">
+                <a:solidFill>
+                  <a:schemeClr val="accent1"/>
+                </a:solidFill>
+              </a14:hiddenFill>
+            </a:ext>
+            <a:ext uri="{91240B29-F687-4F45-9708-019B960494DF}">
+              <a14:hiddenLine xmlns:a14="http://schemas.microsoft.com/office/drawing/2010/main" w="9525">
+                <a:solidFill>
+                  <a:schemeClr val="tx1"/>
+                </a:solidFill>
+                <a:miter lim="800000"/>
+                <a:headEnd/>
+                <a:tailEnd/>
+              </a14:hiddenLine>
+            </a:ext>
+            <a:ext uri="{AF507438-7753-43E0-B8FC-AC1667EBCBE1}">
+              <a14:hiddenEffects xmlns:a14="http://schemas.microsoft.com/office/drawing/2010/main">
+                <a:effectLst>
+                  <a:outerShdw dist="35921" dir="2700000" algn="ctr" rotWithShape="0">
+                    <a:schemeClr val="bg2"/>
+                  </a:outerShdw>
+                </a:effectLst>
+              </a14:hiddenEffects>
+            </a:ext>
+          </a:extLst>
+        </p:spPr>
+      </p:pic>
     </p:spTree>
     <p:extLst>
       <p:ext uri="{BB962C8B-B14F-4D97-AF65-F5344CB8AC3E}">
-        <p14:creationId xmlns:p14="http://schemas.microsoft.com/office/powerpoint/2010/main" val="1830443907"/>
+        <p14:creationId xmlns:p14="http://schemas.microsoft.com/office/powerpoint/2010/main" val="1965953412"/>
       </p:ext>
     </p:extLst>
   </p:cSld>
   <p:clrMapOvr>
     <a:masterClrMapping/>
   </p:clrMapOvr>
-  <p:timing>
-    <p:tnLst>
-      <p:par>
-        <p:cTn id="1" dur="indefinite" restart="never" nodeType="tmRoot"/>
-      </p:par>
-    </p:tnLst>
-  </p:timing>
 </p:sld>
 </file>
 
@@ -5393,7 +5502,7 @@
           <a:p>
             <a:r>
               <a:rPr lang="ru-RU" dirty="0" smtClean="0"/>
-              <a:t>Свойства программы</a:t>
+              <a:t>Переводчик</a:t>
             </a:r>
             <a:endParaRPr lang="ru-RU" dirty="0"/>
           </a:p>
@@ -5416,54 +5525,90 @@
           <a:p>
             <a:r>
               <a:rPr lang="ru-RU" dirty="0" smtClean="0"/>
-              <a:t>Программа имеет хорошую лаконичную структуру.</a:t>
-            </a:r>
-          </a:p>
-          <a:p>
-            <a:r>
-              <a:rPr lang="ru-RU" dirty="0" smtClean="0"/>
-              <a:t>Она написана на нескольких графических библиотеках</a:t>
+              <a:t>Функция реализующая перевод текста из </a:t>
+            </a:r>
+            <a:r>
+              <a:rPr lang="ru-RU" dirty="0"/>
+              <a:t>одного языка в другой </a:t>
             </a:r>
             <a:endParaRPr lang="ru-RU" dirty="0"/>
           </a:p>
-          <a:p>
-            <a:r>
-              <a:rPr lang="ru-RU" dirty="0" smtClean="0"/>
-              <a:t>Использует огромное количество библиотек</a:t>
-            </a:r>
-          </a:p>
-          <a:p>
-            <a:r>
-              <a:rPr lang="ru-RU" dirty="0" smtClean="0"/>
-              <a:t>Тратит меленькое количество ресурсов</a:t>
-            </a:r>
-          </a:p>
-          <a:p>
-            <a:r>
-              <a:rPr lang="ru-RU" dirty="0" smtClean="0"/>
-              <a:t>Имеет хорошую тех. поддержку</a:t>
-            </a:r>
-            <a:endParaRPr lang="ru-RU" dirty="0"/>
-          </a:p>
-        </p:txBody>
-      </p:sp>
+        </p:txBody>
+      </p:sp>
+      <p:pic>
+        <p:nvPicPr>
+          <p:cNvPr id="3075" name="Picture 3"/>
+          <p:cNvPicPr>
+            <a:picLocks noChangeAspect="1" noChangeArrowheads="1"/>
+          </p:cNvPicPr>
+          <p:nvPr/>
+        </p:nvPicPr>
+        <p:blipFill>
+          <a:blip r:embed="rId2">
+            <a:extLst>
+              <a:ext uri="{28A0092B-C50C-407E-A947-70E740481C1C}">
+                <a14:useLocalDpi xmlns:a14="http://schemas.microsoft.com/office/drawing/2010/main" val="0"/>
+              </a:ext>
+            </a:extLst>
+          </a:blip>
+          <a:srcRect/>
+          <a:stretch>
+            <a:fillRect/>
+          </a:stretch>
+        </p:blipFill>
+        <p:spPr bwMode="auto">
+          <a:xfrm>
+            <a:off x="1650366" y="2996952"/>
+            <a:ext cx="5256584" cy="3134426"/>
+          </a:xfrm>
+          <a:prstGeom prst="rect">
+            <a:avLst/>
+          </a:prstGeom>
+          <a:noFill/>
+          <a:ln>
+            <a:noFill/>
+          </a:ln>
+          <a:effectLst/>
+          <a:extLst>
+            <a:ext uri="{909E8E84-426E-40DD-AFC4-6F175D3DCCD1}">
+              <a14:hiddenFill xmlns:a14="http://schemas.microsoft.com/office/drawing/2010/main">
+                <a:solidFill>
+                  <a:schemeClr val="accent1"/>
+                </a:solidFill>
+              </a14:hiddenFill>
+            </a:ext>
+            <a:ext uri="{91240B29-F687-4F45-9708-019B960494DF}">
+              <a14:hiddenLine xmlns:a14="http://schemas.microsoft.com/office/drawing/2010/main" w="9525">
+                <a:solidFill>
+                  <a:schemeClr val="tx1"/>
+                </a:solidFill>
+                <a:miter lim="800000"/>
+                <a:headEnd/>
+                <a:tailEnd/>
+              </a14:hiddenLine>
+            </a:ext>
+            <a:ext uri="{AF507438-7753-43E0-B8FC-AC1667EBCBE1}">
+              <a14:hiddenEffects xmlns:a14="http://schemas.microsoft.com/office/drawing/2010/main">
+                <a:effectLst>
+                  <a:outerShdw dist="35921" dir="2700000" algn="ctr" rotWithShape="0">
+                    <a:schemeClr val="bg2"/>
+                  </a:outerShdw>
+                </a:effectLst>
+              </a14:hiddenEffects>
+            </a:ext>
+          </a:extLst>
+        </p:spPr>
+      </p:pic>
     </p:spTree>
     <p:extLst>
       <p:ext uri="{BB962C8B-B14F-4D97-AF65-F5344CB8AC3E}">
-        <p14:creationId xmlns:p14="http://schemas.microsoft.com/office/powerpoint/2010/main" val="2420914686"/>
+        <p14:creationId xmlns:p14="http://schemas.microsoft.com/office/powerpoint/2010/main" val="68428913"/>
       </p:ext>
     </p:extLst>
   </p:cSld>
   <p:clrMapOvr>
     <a:masterClrMapping/>
   </p:clrMapOvr>
-  <p:timing>
-    <p:tnLst>
-      <p:par>
-        <p:cTn id="1" dur="indefinite" restart="never" nodeType="tmRoot"/>
-      </p:par>
-    </p:tnLst>
-  </p:timing>
 </p:sld>
 </file>
 
@@ -5501,7 +5646,7 @@
           <a:p>
             <a:r>
               <a:rPr lang="ru-RU" dirty="0" smtClean="0"/>
-              <a:t>Дополнительные функции</a:t>
+              <a:t>Свойства программы</a:t>
             </a:r>
             <a:endParaRPr lang="ru-RU" dirty="0"/>
           </a:p>
@@ -5519,52 +5664,46 @@
         </p:nvSpPr>
         <p:spPr/>
         <p:txBody>
-          <a:bodyPr>
-            <a:normAutofit/>
-          </a:bodyPr>
-          <a:lstStyle/>
-          <a:p>
-            <a:r>
-              <a:rPr lang="ru-RU" sz="2600" dirty="0" smtClean="0"/>
-              <a:t>Программа имеет много доп. Функций </a:t>
-            </a:r>
-          </a:p>
-          <a:p>
-            <a:r>
-              <a:rPr lang="ru-RU" sz="2600" dirty="0" smtClean="0"/>
-              <a:t>Озвучка текста</a:t>
-            </a:r>
-          </a:p>
-          <a:p>
-            <a:r>
-              <a:rPr lang="ru-RU" sz="2600" dirty="0" smtClean="0"/>
-              <a:t>Копирование текста</a:t>
-            </a:r>
-          </a:p>
-          <a:p>
-            <a:r>
-              <a:rPr lang="ru-RU" sz="2600" dirty="0" smtClean="0"/>
-              <a:t>Поддержка нескольких языков</a:t>
-            </a:r>
-          </a:p>
-          <a:p>
-            <a:r>
-              <a:rPr lang="ru-RU" sz="2600" dirty="0" smtClean="0"/>
-              <a:t>Огромное разнообразие тем</a:t>
-            </a:r>
-          </a:p>
-          <a:p>
-            <a:pPr marL="0" indent="0">
-              <a:buNone/>
-            </a:pPr>
+          <a:bodyPr/>
+          <a:lstStyle/>
+          <a:p>
+            <a:r>
+              <a:rPr lang="ru-RU" dirty="0" smtClean="0"/>
+              <a:t>Программа </a:t>
+            </a:r>
+            <a:r>
+              <a:rPr lang="ru-RU" dirty="0"/>
+              <a:t>п</a:t>
+            </a:r>
+            <a:r>
+              <a:rPr lang="ru-RU" dirty="0" smtClean="0"/>
+              <a:t>остроена на нескольких графических библиотеках</a:t>
+            </a:r>
+          </a:p>
+          <a:p>
+            <a:r>
+              <a:rPr lang="ru-RU" dirty="0" smtClean="0"/>
+              <a:t>Используется умная система администрирования</a:t>
+            </a:r>
+          </a:p>
+          <a:p>
+            <a:r>
+              <a:rPr lang="ru-RU" dirty="0" smtClean="0"/>
+              <a:t>Также имеет хорошую тех. Поддержку</a:t>
+            </a:r>
+          </a:p>
+          <a:p>
             <a:endParaRPr lang="ru-RU" dirty="0" smtClean="0"/>
+          </a:p>
+          <a:p>
+            <a:endParaRPr lang="ru-RU" dirty="0"/>
           </a:p>
         </p:txBody>
       </p:sp>
     </p:spTree>
     <p:extLst>
       <p:ext uri="{BB962C8B-B14F-4D97-AF65-F5344CB8AC3E}">
-        <p14:creationId xmlns:p14="http://schemas.microsoft.com/office/powerpoint/2010/main" val="881568734"/>
+        <p14:creationId xmlns:p14="http://schemas.microsoft.com/office/powerpoint/2010/main" val="2420914686"/>
       </p:ext>
     </p:extLst>
   </p:cSld>
@@ -5615,7 +5754,7 @@
           <a:p>
             <a:r>
               <a:rPr lang="ru-RU" dirty="0" smtClean="0"/>
-              <a:t>Рост программы</a:t>
+              <a:t>Дополнительные функции</a:t>
             </a:r>
             <a:endParaRPr lang="ru-RU" dirty="0"/>
           </a:p>
@@ -5633,39 +5772,50 @@
         </p:nvSpPr>
         <p:spPr/>
         <p:txBody>
-          <a:bodyPr/>
-          <a:lstStyle/>
-          <a:p>
-            <a:r>
-              <a:rPr lang="ru-RU" dirty="0" smtClean="0"/>
-              <a:t>В будущем можно нашу программу можно улучшить</a:t>
-            </a:r>
-          </a:p>
-          <a:p>
-            <a:r>
-              <a:rPr lang="ru-RU" dirty="0" smtClean="0"/>
-              <a:t>Добавить поддержку новых языков</a:t>
-            </a:r>
-          </a:p>
-          <a:p>
-            <a:r>
-              <a:rPr lang="ru-RU" dirty="0" smtClean="0"/>
-              <a:t>Добавить новые функции</a:t>
-            </a:r>
-          </a:p>
-          <a:p>
-            <a:r>
-              <a:rPr lang="ru-RU" dirty="0" smtClean="0"/>
-              <a:t>Добавить новые темы</a:t>
-            </a:r>
-            <a:endParaRPr lang="ru-RU" dirty="0"/>
+          <a:bodyPr>
+            <a:normAutofit/>
+          </a:bodyPr>
+          <a:lstStyle/>
+          <a:p>
+            <a:r>
+              <a:rPr lang="ru-RU" sz="2600" dirty="0" smtClean="0"/>
+              <a:t>Озвучка </a:t>
+            </a:r>
+            <a:r>
+              <a:rPr lang="ru-RU" sz="2600" dirty="0" smtClean="0"/>
+              <a:t>текста</a:t>
+            </a:r>
+          </a:p>
+          <a:p>
+            <a:r>
+              <a:rPr lang="ru-RU" sz="2600" dirty="0" smtClean="0"/>
+              <a:t>Копирование текста</a:t>
+            </a:r>
+          </a:p>
+          <a:p>
+            <a:r>
+              <a:rPr lang="ru-RU" sz="2600" dirty="0" smtClean="0"/>
+              <a:t>Поддержка нескольких языков</a:t>
+            </a:r>
+          </a:p>
+          <a:p>
+            <a:r>
+              <a:rPr lang="ru-RU" sz="2600" dirty="0" smtClean="0"/>
+              <a:t>Огромное разнообразие тем</a:t>
+            </a:r>
+          </a:p>
+          <a:p>
+            <a:pPr marL="0" indent="0">
+              <a:buNone/>
+            </a:pPr>
+            <a:endParaRPr lang="ru-RU" dirty="0" smtClean="0"/>
           </a:p>
         </p:txBody>
       </p:sp>
     </p:spTree>
     <p:extLst>
       <p:ext uri="{BB962C8B-B14F-4D97-AF65-F5344CB8AC3E}">
-        <p14:creationId xmlns:p14="http://schemas.microsoft.com/office/powerpoint/2010/main" val="219128391"/>
+        <p14:creationId xmlns:p14="http://schemas.microsoft.com/office/powerpoint/2010/main" val="881568734"/>
       </p:ext>
     </p:extLst>
   </p:cSld>
